--- a/images/Overview of Reg Process.pptx
+++ b/images/Overview of Reg Process.pptx
@@ -2,16 +2,16 @@
 <file path=ppt/presentation.xml><?xml version="1.0" encoding="utf-8"?>
 <p:presentation xmlns:a="http://schemas.openxmlformats.org/drawingml/2006/main" xmlns:r="http://schemas.openxmlformats.org/officeDocument/2006/relationships" xmlns:p="http://schemas.openxmlformats.org/presentationml/2006/main" saveSubsetFonts="1">
   <p:sldMasterIdLst>
-    <p:sldMasterId id="2147483676" r:id="rId4"/>
+    <p:sldMasterId id="2147483676" r:id="rId5"/>
   </p:sldMasterIdLst>
   <p:notesMasterIdLst>
-    <p:notesMasterId r:id="rId6"/>
+    <p:notesMasterId r:id="rId7"/>
   </p:notesMasterIdLst>
   <p:handoutMasterIdLst>
-    <p:handoutMasterId r:id="rId7"/>
+    <p:handoutMasterId r:id="rId8"/>
   </p:handoutMasterIdLst>
   <p:sldIdLst>
-    <p:sldId id="376" r:id="rId5"/>
+    <p:sldId id="376" r:id="rId6"/>
   </p:sldIdLst>
   <p:sldSz cx="12192000" cy="6858000"/>
   <p:notesSz cx="6797675" cy="9926638"/>
@@ -325,7 +325,7 @@
           <a:p>
             <a:fld id="{D159762C-4A3B-48AE-A4ED-13058D36EECA}" type="datetimeFigureOut">
               <a:rPr lang="en-SG" smtClean="0"/>
-              <a:t>16/9/2019</a:t>
+              <a:t>8/10/2019</a:t>
             </a:fld>
             <a:endParaRPr lang="en-SG"/>
           </a:p>
@@ -424,7 +424,7 @@
           <a:p>
             <a:fld id="{BB73B8D4-C66C-4DC7-8D15-B93992B9CAF1}" type="datetimeFigureOut">
               <a:rPr lang="en-SG" smtClean="0"/>
-              <a:t>16/9/2019</a:t>
+              <a:t>8/10/2019</a:t>
             </a:fld>
             <a:endParaRPr lang="en-SG"/>
           </a:p>
@@ -488,35 +488,35 @@
           <a:p>
             <a:pPr lvl="0"/>
             <a:r>
-              <a:rPr lang="en-US"/>
+              <a:rPr lang="en-US" smtClean="0"/>
               <a:t>Edit Master text styles</a:t>
             </a:r>
           </a:p>
           <a:p>
             <a:pPr lvl="1"/>
             <a:r>
-              <a:rPr lang="en-US"/>
+              <a:rPr lang="en-US" smtClean="0"/>
               <a:t>Second level</a:t>
             </a:r>
           </a:p>
           <a:p>
             <a:pPr lvl="2"/>
             <a:r>
-              <a:rPr lang="en-US"/>
+              <a:rPr lang="en-US" smtClean="0"/>
               <a:t>Third level</a:t>
             </a:r>
           </a:p>
           <a:p>
             <a:pPr lvl="3"/>
             <a:r>
-              <a:rPr lang="en-US"/>
+              <a:rPr lang="en-US" smtClean="0"/>
               <a:t>Fourth level</a:t>
             </a:r>
           </a:p>
           <a:p>
             <a:pPr lvl="4"/>
             <a:r>
-              <a:rPr lang="en-US"/>
+              <a:rPr lang="en-US" smtClean="0"/>
               <a:t>Fifth level</a:t>
             </a:r>
             <a:endParaRPr lang="en-SG"/>
@@ -736,163 +736,6 @@
           <a:bodyPr/>
           <a:lstStyle/>
           <a:p>
-            <a:r>
-              <a:rPr lang="en-US" dirty="0"/>
-              <a:t>Talking points.</a:t>
-            </a:r>
-          </a:p>
-          <a:p>
-            <a:r>
-              <a:rPr lang="en-US" dirty="0"/>
-              <a:t>This is an overview of</a:t>
-            </a:r>
-            <a:r>
-              <a:rPr lang="en-US" baseline="0" dirty="0"/>
-              <a:t> the Registration process. </a:t>
-            </a:r>
-          </a:p>
-          <a:p>
-            <a:endParaRPr lang="en-US" baseline="0" dirty="0"/>
-          </a:p>
-          <a:p>
-            <a:r>
-              <a:rPr lang="en-US" baseline="0" dirty="0"/>
-              <a:t>First, you must submit your Registration Application using </a:t>
-            </a:r>
-            <a:r>
-              <a:rPr lang="en-US" baseline="0" dirty="0" err="1"/>
-              <a:t>LicenceOne</a:t>
-            </a:r>
-            <a:r>
-              <a:rPr lang="en-US" baseline="0" dirty="0"/>
-              <a:t>. If you are a business entity, you should prepare your </a:t>
-            </a:r>
-            <a:r>
-              <a:rPr lang="en-US" baseline="0" dirty="0" err="1"/>
-              <a:t>CorpPass</a:t>
-            </a:r>
-            <a:r>
-              <a:rPr lang="en-US" baseline="0" dirty="0"/>
-              <a:t>. </a:t>
-            </a:r>
-          </a:p>
-          <a:p>
-            <a:r>
-              <a:rPr lang="en-US" baseline="0" dirty="0"/>
-              <a:t>In your application, indicate your number of outlets/ places of business and preferred period of registration of 1 year, 2 year and 3 years and . </a:t>
-            </a:r>
-          </a:p>
-          <a:p>
-            <a:pPr marL="0" marR="0" lvl="0" indent="0" algn="l" defTabSz="914400" rtl="0" eaLnBrk="1" fontAlgn="auto" latinLnBrk="0" hangingPunct="1">
-              <a:lnSpc>
-                <a:spcPct val="100000"/>
-              </a:lnSpc>
-              <a:spcBef>
-                <a:spcPts val="0"/>
-              </a:spcBef>
-              <a:spcAft>
-                <a:spcPts val="0"/>
-              </a:spcAft>
-              <a:buClrTx/>
-              <a:buSzTx/>
-              <a:buFontTx/>
-              <a:buNone/>
-              <a:tabLst/>
-              <a:defRPr/>
-            </a:pPr>
-            <a:r>
-              <a:rPr lang="en-US" baseline="0" dirty="0"/>
-              <a:t>A Step by Step Guide to complete the application is in your conference package and on our website. </a:t>
-            </a:r>
-          </a:p>
-          <a:p>
-            <a:endParaRPr lang="en-US" baseline="0" dirty="0"/>
-          </a:p>
-          <a:p>
-            <a:r>
-              <a:rPr lang="en-US" baseline="0" dirty="0"/>
-              <a:t>After you click the submit button, you can pay the application fees of $140. There is a lower application fee of $70 for applications on or before 31 May 2019.</a:t>
-            </a:r>
-          </a:p>
-          <a:p>
-            <a:endParaRPr lang="en-US" baseline="0" dirty="0"/>
-          </a:p>
-          <a:p>
-            <a:r>
-              <a:rPr lang="en-US" baseline="0" dirty="0"/>
-              <a:t>The Registrar will process your application. This includes conducting probity checks on the Applicant and its officers. </a:t>
-            </a:r>
-          </a:p>
-          <a:p>
-            <a:r>
-              <a:rPr lang="en-US" baseline="0" dirty="0"/>
-              <a:t>If needed, the Registrar will contact the Applicant or the Applicant’s relevant officers/ proposed persons for clarifications on their particulars and self declaration information. </a:t>
-            </a:r>
-          </a:p>
-          <a:p>
-            <a:r>
-              <a:rPr lang="en-US" baseline="0" dirty="0"/>
-              <a:t>(to explain why need 3 months)</a:t>
-            </a:r>
-          </a:p>
-          <a:p>
-            <a:pPr marL="171450" indent="-171450">
-              <a:buFont typeface="Arial" panose="020B0604020202020204" pitchFamily="34" charset="0"/>
-              <a:buChar char="•"/>
-            </a:pPr>
-            <a:r>
-              <a:rPr lang="en-US" baseline="0" dirty="0"/>
-              <a:t>for Applicants who require clarifications on investigation, financial issues and AML/CFT compliance status, the Applicant and its proposed persons should respond to the Registrar as soon as possible. The Registrar may need to verify the information provided. </a:t>
-            </a:r>
-          </a:p>
-          <a:p>
-            <a:pPr marL="171450" marR="0" lvl="0" indent="-171450" algn="l" defTabSz="914400" rtl="0" eaLnBrk="1" fontAlgn="auto" latinLnBrk="0" hangingPunct="1">
-              <a:lnSpc>
-                <a:spcPct val="100000"/>
-              </a:lnSpc>
-              <a:spcBef>
-                <a:spcPts val="0"/>
-              </a:spcBef>
-              <a:spcAft>
-                <a:spcPts val="0"/>
-              </a:spcAft>
-              <a:buClrTx/>
-              <a:buSzTx/>
-              <a:buFont typeface="Arial" panose="020B0604020202020204" pitchFamily="34" charset="0"/>
-              <a:buChar char="•"/>
-              <a:tabLst/>
-              <a:defRPr/>
-            </a:pPr>
-            <a:r>
-              <a:rPr lang="en-US" baseline="0" dirty="0"/>
-              <a:t>At the end of this presentation, we have compiled a list of learning points from applications received so far. Hopefully, these tips can help you reduce possible clarifications and the processing time for your applications. </a:t>
-            </a:r>
-          </a:p>
-          <a:p>
-            <a:endParaRPr lang="en-US" baseline="0" dirty="0"/>
-          </a:p>
-          <a:p>
-            <a:r>
-              <a:rPr lang="en-US" baseline="0" dirty="0"/>
-              <a:t>Next, in Step 3, if the Registrar is satisfied that the Applicant and his proposed persons is a fit or proper, the Registrar will inform the Applicant that he has In-Principle Approval. </a:t>
-            </a:r>
-            <a:r>
-              <a:rPr lang="en-US" dirty="0"/>
-              <a:t>The applicant has 7 days to pay</a:t>
-            </a:r>
-            <a:r>
-              <a:rPr lang="en-US" baseline="0" dirty="0"/>
-              <a:t> the registration fee. </a:t>
-            </a:r>
-          </a:p>
-          <a:p>
-            <a:endParaRPr lang="en-US" baseline="0" dirty="0"/>
-          </a:p>
-          <a:p>
-            <a:r>
-              <a:rPr lang="en-US" baseline="0" dirty="0"/>
-              <a:t>Lastly, after receiving the registration fee, the Registrar will email the Applicant the Certificate of Registration within 7 days </a:t>
-            </a:r>
             <a:endParaRPr lang="en-SG" dirty="0"/>
           </a:p>
         </p:txBody>
@@ -977,9 +820,10 @@
           </a:lstStyle>
           <a:p>
             <a:r>
-              <a:rPr lang="en-US" dirty="0"/>
+              <a:rPr lang="en-US" dirty="0" smtClean="0"/>
               <a:t>Click to edit Master title style</a:t>
             </a:r>
+            <a:endParaRPr lang="en-US" dirty="0"/>
           </a:p>
         </p:txBody>
       </p:sp>
@@ -1096,9 +940,10 @@
           </a:lstStyle>
           <a:p>
             <a:r>
-              <a:rPr lang="en-US" dirty="0"/>
+              <a:rPr lang="en-US" dirty="0" smtClean="0"/>
               <a:t>Click to edit Master subtitle style</a:t>
             </a:r>
+            <a:endParaRPr lang="en-US" dirty="0"/>
           </a:p>
         </p:txBody>
       </p:sp>
@@ -1119,7 +964,7 @@
           <a:p>
             <a:fld id="{D930F4B6-BDC4-490D-A6F0-0EC7925F0AD2}" type="datetime1">
               <a:rPr lang="en-US" smtClean="0"/>
-              <a:t>9/16/2019</a:t>
+              <a:t>10/8/2019</a:t>
             </a:fld>
             <a:endParaRPr lang="en-US" dirty="0"/>
           </a:p>
@@ -1157,9 +1002,10 @@
           </a:lstStyle>
           <a:p>
             <a:r>
-              <a:rPr lang="en-GB" dirty="0"/>
+              <a:rPr lang="en-GB" dirty="0" smtClean="0"/>
               <a:t>CONFIDENTIAL</a:t>
             </a:r>
+            <a:endParaRPr lang="en-GB" dirty="0"/>
           </a:p>
         </p:txBody>
       </p:sp>
@@ -1250,6 +1096,13 @@
       </p:transition>
     </mc:Fallback>
   </mc:AlternateContent>
+  <p:timing>
+    <p:tnLst>
+      <p:par>
+        <p:cTn id="1" dur="indefinite" restart="never" nodeType="tmRoot"/>
+      </p:par>
+    </p:tnLst>
+  </p:timing>
 </p:sldLayout>
 </file>
 
@@ -1286,9 +1139,10 @@
           <a:lstStyle/>
           <a:p>
             <a:r>
-              <a:rPr lang="en-US" dirty="0"/>
+              <a:rPr lang="en-US" dirty="0" smtClean="0"/>
               <a:t>Click to edit Master title style</a:t>
             </a:r>
+            <a:endParaRPr lang="en-US" dirty="0"/>
           </a:p>
         </p:txBody>
       </p:sp>
@@ -1309,37 +1163,38 @@
           <a:p>
             <a:pPr lvl="0"/>
             <a:r>
-              <a:rPr lang="en-US" dirty="0"/>
+              <a:rPr lang="en-US" dirty="0" smtClean="0"/>
               <a:t>Click to edit Master text styles</a:t>
             </a:r>
           </a:p>
           <a:p>
             <a:pPr lvl="1"/>
             <a:r>
-              <a:rPr lang="en-US" dirty="0"/>
+              <a:rPr lang="en-US" dirty="0" smtClean="0"/>
               <a:t>Second level</a:t>
             </a:r>
           </a:p>
           <a:p>
             <a:pPr lvl="2"/>
             <a:r>
-              <a:rPr lang="en-US" dirty="0"/>
+              <a:rPr lang="en-US" dirty="0" smtClean="0"/>
               <a:t>Third level</a:t>
             </a:r>
           </a:p>
           <a:p>
             <a:pPr lvl="3"/>
             <a:r>
-              <a:rPr lang="en-US" dirty="0"/>
+              <a:rPr lang="en-US" dirty="0" smtClean="0"/>
               <a:t>Fourth level</a:t>
             </a:r>
           </a:p>
           <a:p>
             <a:pPr lvl="4"/>
             <a:r>
-              <a:rPr lang="en-US" dirty="0"/>
+              <a:rPr lang="en-US" dirty="0" smtClean="0"/>
               <a:t>Fifth level</a:t>
             </a:r>
+            <a:endParaRPr lang="en-US" dirty="0"/>
           </a:p>
         </p:txBody>
       </p:sp>
@@ -1360,7 +1215,7 @@
           <a:p>
             <a:fld id="{1BEC1971-903D-4579-8AC7-C36D595179A4}" type="datetime1">
               <a:rPr lang="en-US" smtClean="0"/>
-              <a:t>9/16/2019</a:t>
+              <a:t>10/8/2019</a:t>
             </a:fld>
             <a:endParaRPr lang="en-US" dirty="0"/>
           </a:p>
@@ -1382,7 +1237,7 @@
           <a:lstStyle/>
           <a:p>
             <a:r>
-              <a:rPr lang="en-US"/>
+              <a:rPr lang="en-US" smtClean="0"/>
               <a:t>CONFIDENTIAL</a:t>
             </a:r>
             <a:endParaRPr lang="en-US" dirty="0"/>
@@ -1476,9 +1331,10 @@
           <a:lstStyle/>
           <a:p>
             <a:r>
-              <a:rPr lang="en-US" dirty="0"/>
+              <a:rPr lang="en-US" dirty="0" smtClean="0"/>
               <a:t>Click to edit Master title style</a:t>
             </a:r>
+            <a:endParaRPr lang="en-US" dirty="0"/>
           </a:p>
         </p:txBody>
       </p:sp>
@@ -1504,37 +1360,38 @@
           <a:p>
             <a:pPr lvl="0"/>
             <a:r>
-              <a:rPr lang="en-US" dirty="0"/>
+              <a:rPr lang="en-US" dirty="0" smtClean="0"/>
               <a:t>Click to edit Master text styles</a:t>
             </a:r>
           </a:p>
           <a:p>
             <a:pPr lvl="1"/>
             <a:r>
-              <a:rPr lang="en-US" dirty="0"/>
+              <a:rPr lang="en-US" dirty="0" smtClean="0"/>
               <a:t>Second level</a:t>
             </a:r>
           </a:p>
           <a:p>
             <a:pPr lvl="2"/>
             <a:r>
-              <a:rPr lang="en-US" dirty="0"/>
+              <a:rPr lang="en-US" dirty="0" smtClean="0"/>
               <a:t>Third level</a:t>
             </a:r>
           </a:p>
           <a:p>
             <a:pPr lvl="3"/>
             <a:r>
-              <a:rPr lang="en-US" dirty="0"/>
+              <a:rPr lang="en-US" dirty="0" smtClean="0"/>
               <a:t>Fourth level</a:t>
             </a:r>
           </a:p>
           <a:p>
             <a:pPr lvl="4"/>
             <a:r>
-              <a:rPr lang="en-US" dirty="0"/>
+              <a:rPr lang="en-US" dirty="0" smtClean="0"/>
               <a:t>Fifth level</a:t>
             </a:r>
+            <a:endParaRPr lang="en-US" dirty="0"/>
           </a:p>
         </p:txBody>
       </p:sp>
@@ -1555,7 +1412,7 @@
           <a:p>
             <a:fld id="{372E795C-4380-4D22-9FD2-CB696580F2FF}" type="datetime1">
               <a:rPr lang="en-US" smtClean="0"/>
-              <a:t>9/16/2019</a:t>
+              <a:t>10/8/2019</a:t>
             </a:fld>
             <a:endParaRPr lang="en-US" dirty="0"/>
           </a:p>
@@ -1577,7 +1434,7 @@
           <a:lstStyle/>
           <a:p>
             <a:r>
-              <a:rPr lang="en-US"/>
+              <a:rPr lang="en-US" smtClean="0"/>
               <a:t>CONFIDENTIAL</a:t>
             </a:r>
             <a:endParaRPr lang="en-US" dirty="0"/>
@@ -1681,9 +1538,10 @@
           </a:lstStyle>
           <a:p>
             <a:r>
-              <a:rPr lang="en-US" dirty="0"/>
+              <a:rPr lang="en-US" dirty="0" smtClean="0"/>
               <a:t>Click to edit Master title style</a:t>
             </a:r>
+            <a:endParaRPr lang="en-US" dirty="0"/>
           </a:p>
         </p:txBody>
       </p:sp>
@@ -1735,37 +1593,38 @@
           <a:p>
             <a:pPr lvl="0"/>
             <a:r>
-              <a:rPr lang="en-US" dirty="0"/>
+              <a:rPr lang="en-US" dirty="0" smtClean="0"/>
               <a:t>Click to edit Master text styles</a:t>
             </a:r>
           </a:p>
           <a:p>
             <a:pPr lvl="1"/>
             <a:r>
-              <a:rPr lang="en-US" dirty="0"/>
+              <a:rPr lang="en-US" dirty="0" smtClean="0"/>
               <a:t>Second level</a:t>
             </a:r>
           </a:p>
           <a:p>
             <a:pPr lvl="2"/>
             <a:r>
-              <a:rPr lang="en-US" dirty="0"/>
+              <a:rPr lang="en-US" dirty="0" smtClean="0"/>
               <a:t>Third level</a:t>
             </a:r>
           </a:p>
           <a:p>
             <a:pPr lvl="3"/>
             <a:r>
-              <a:rPr lang="en-US" dirty="0"/>
+              <a:rPr lang="en-US" dirty="0" smtClean="0"/>
               <a:t>Fourth level</a:t>
             </a:r>
           </a:p>
           <a:p>
             <a:pPr lvl="4"/>
             <a:r>
-              <a:rPr lang="en-US" dirty="0"/>
+              <a:rPr lang="en-US" dirty="0" smtClean="0"/>
               <a:t>Fifth level</a:t>
             </a:r>
+            <a:endParaRPr lang="en-US" dirty="0"/>
           </a:p>
         </p:txBody>
       </p:sp>
@@ -1791,7 +1650,7 @@
           <a:p>
             <a:fld id="{C1EF3431-1545-4730-AF40-2DF66F6D1D75}" type="datetime1">
               <a:rPr lang="en-US" smtClean="0"/>
-              <a:t>9/16/2019</a:t>
+              <a:t>10/8/2019</a:t>
             </a:fld>
             <a:endParaRPr lang="en-US" dirty="0"/>
           </a:p>
@@ -1827,9 +1686,10 @@
           <a:p>
             <a:pPr algn="ctr"/>
             <a:r>
-              <a:rPr lang="en-US" dirty="0"/>
+              <a:rPr lang="en-US" dirty="0" smtClean="0"/>
               <a:t>CONFIDENTIAL</a:t>
             </a:r>
+            <a:endParaRPr lang="en-US" dirty="0"/>
           </a:p>
         </p:txBody>
       </p:sp>
@@ -1929,6 +1789,13 @@
       </p:transition>
     </mc:Fallback>
   </mc:AlternateContent>
+  <p:timing>
+    <p:tnLst>
+      <p:par>
+        <p:cTn id="1" dur="indefinite" restart="never" nodeType="tmRoot"/>
+      </p:par>
+    </p:tnLst>
+  </p:timing>
 </p:sldLayout>
 </file>
 
@@ -1976,9 +1843,10 @@
           </a:lstStyle>
           <a:p>
             <a:r>
-              <a:rPr lang="en-US" dirty="0"/>
+              <a:rPr lang="en-US" dirty="0" smtClean="0"/>
               <a:t>Click to edit Master title style</a:t>
             </a:r>
+            <a:endParaRPr lang="en-US" dirty="0"/>
           </a:p>
         </p:txBody>
       </p:sp>
@@ -2095,7 +1963,7 @@
           <a:p>
             <a:pPr lvl="0"/>
             <a:r>
-              <a:rPr lang="en-US"/>
+              <a:rPr lang="en-US" smtClean="0"/>
               <a:t>Click to edit Master text styles</a:t>
             </a:r>
           </a:p>
@@ -2118,7 +1986,7 @@
           <a:p>
             <a:fld id="{76F84001-BF86-42BF-A02A-D23C311A2D06}" type="datetime1">
               <a:rPr lang="en-US" smtClean="0"/>
-              <a:t>9/16/2019</a:t>
+              <a:t>10/8/2019</a:t>
             </a:fld>
             <a:endParaRPr lang="en-US" dirty="0"/>
           </a:p>
@@ -2140,7 +2008,7 @@
           <a:lstStyle/>
           <a:p>
             <a:r>
-              <a:rPr lang="en-US"/>
+              <a:rPr lang="en-US" smtClean="0"/>
               <a:t>CONFIDENTIAL</a:t>
             </a:r>
             <a:endParaRPr lang="en-US" dirty="0"/>
@@ -2202,6 +2070,13 @@
       </p:transition>
     </mc:Fallback>
   </mc:AlternateContent>
+  <p:timing>
+    <p:tnLst>
+      <p:par>
+        <p:cTn id="1" dur="indefinite" restart="never" nodeType="tmRoot"/>
+      </p:par>
+    </p:tnLst>
+  </p:timing>
 </p:sldLayout>
 </file>
 
@@ -2238,9 +2113,10 @@
           <a:lstStyle/>
           <a:p>
             <a:r>
-              <a:rPr lang="en-US"/>
+              <a:rPr lang="en-US" smtClean="0"/>
               <a:t>Click to edit Master title style</a:t>
             </a:r>
+            <a:endParaRPr lang="en-US"/>
           </a:p>
         </p:txBody>
       </p:sp>
@@ -2294,37 +2170,38 @@
           <a:p>
             <a:pPr lvl="0"/>
             <a:r>
-              <a:rPr lang="en-US" dirty="0"/>
+              <a:rPr lang="en-US" dirty="0" smtClean="0"/>
               <a:t>Click to edit Master text styles</a:t>
             </a:r>
           </a:p>
           <a:p>
             <a:pPr lvl="1"/>
             <a:r>
-              <a:rPr lang="en-US" dirty="0"/>
+              <a:rPr lang="en-US" dirty="0" smtClean="0"/>
               <a:t>Second level</a:t>
             </a:r>
           </a:p>
           <a:p>
             <a:pPr lvl="2"/>
             <a:r>
-              <a:rPr lang="en-US" dirty="0"/>
+              <a:rPr lang="en-US" dirty="0" smtClean="0"/>
               <a:t>Third level</a:t>
             </a:r>
           </a:p>
           <a:p>
             <a:pPr lvl="3"/>
             <a:r>
-              <a:rPr lang="en-US" dirty="0"/>
+              <a:rPr lang="en-US" dirty="0" smtClean="0"/>
               <a:t>Fourth level</a:t>
             </a:r>
           </a:p>
           <a:p>
             <a:pPr lvl="4"/>
             <a:r>
-              <a:rPr lang="en-US" dirty="0"/>
+              <a:rPr lang="en-US" dirty="0" smtClean="0"/>
               <a:t>Fifth level</a:t>
             </a:r>
+            <a:endParaRPr lang="en-US" dirty="0"/>
           </a:p>
         </p:txBody>
       </p:sp>
@@ -2378,37 +2255,38 @@
           <a:p>
             <a:pPr lvl="0"/>
             <a:r>
-              <a:rPr lang="en-US" dirty="0"/>
+              <a:rPr lang="en-US" dirty="0" smtClean="0"/>
               <a:t>Click to edit Master text styles</a:t>
             </a:r>
           </a:p>
           <a:p>
             <a:pPr lvl="1"/>
             <a:r>
-              <a:rPr lang="en-US" dirty="0"/>
+              <a:rPr lang="en-US" dirty="0" smtClean="0"/>
               <a:t>Second level</a:t>
             </a:r>
           </a:p>
           <a:p>
             <a:pPr lvl="2"/>
             <a:r>
-              <a:rPr lang="en-US" dirty="0"/>
+              <a:rPr lang="en-US" dirty="0" smtClean="0"/>
               <a:t>Third level</a:t>
             </a:r>
           </a:p>
           <a:p>
             <a:pPr lvl="3"/>
             <a:r>
-              <a:rPr lang="en-US" dirty="0"/>
+              <a:rPr lang="en-US" dirty="0" smtClean="0"/>
               <a:t>Fourth level</a:t>
             </a:r>
           </a:p>
           <a:p>
             <a:pPr lvl="4"/>
             <a:r>
-              <a:rPr lang="en-US" dirty="0"/>
+              <a:rPr lang="en-US" dirty="0" smtClean="0"/>
               <a:t>Fifth level</a:t>
             </a:r>
+            <a:endParaRPr lang="en-US" dirty="0"/>
           </a:p>
         </p:txBody>
       </p:sp>
@@ -2429,7 +2307,7 @@
           <a:p>
             <a:fld id="{DDB7B6BC-4A4B-498C-BF09-285A644454DC}" type="datetime1">
               <a:rPr lang="en-US" smtClean="0"/>
-              <a:t>9/16/2019</a:t>
+              <a:t>10/8/2019</a:t>
             </a:fld>
             <a:endParaRPr lang="en-US" dirty="0"/>
           </a:p>
@@ -2451,7 +2329,7 @@
           <a:lstStyle/>
           <a:p>
             <a:r>
-              <a:rPr lang="en-US"/>
+              <a:rPr lang="en-US" smtClean="0"/>
               <a:t>CONFIDENTIAL</a:t>
             </a:r>
             <a:endParaRPr lang="en-US" dirty="0"/>
@@ -2544,7 +2422,7 @@
           </a:lstStyle>
           <a:p>
             <a:r>
-              <a:rPr lang="en-US"/>
+              <a:rPr lang="en-US" smtClean="0"/>
               <a:t>Click to edit Master title style</a:t>
             </a:r>
             <a:endParaRPr lang="en-US" dirty="0"/>
@@ -2633,7 +2511,7 @@
           <a:p>
             <a:pPr lvl="0"/>
             <a:r>
-              <a:rPr lang="en-US"/>
+              <a:rPr lang="en-US" smtClean="0"/>
               <a:t>Click to edit Master text styles</a:t>
             </a:r>
           </a:p>
@@ -2689,37 +2567,38 @@
           <a:p>
             <a:pPr lvl="0"/>
             <a:r>
-              <a:rPr lang="en-US" dirty="0"/>
+              <a:rPr lang="en-US" dirty="0" smtClean="0"/>
               <a:t>Click to edit Master text styles</a:t>
             </a:r>
           </a:p>
           <a:p>
             <a:pPr lvl="1"/>
             <a:r>
-              <a:rPr lang="en-US" dirty="0"/>
+              <a:rPr lang="en-US" dirty="0" smtClean="0"/>
               <a:t>Second level</a:t>
             </a:r>
           </a:p>
           <a:p>
             <a:pPr lvl="2"/>
             <a:r>
-              <a:rPr lang="en-US" dirty="0"/>
+              <a:rPr lang="en-US" dirty="0" smtClean="0"/>
               <a:t>Third level</a:t>
             </a:r>
           </a:p>
           <a:p>
             <a:pPr lvl="3"/>
             <a:r>
-              <a:rPr lang="en-US" dirty="0"/>
+              <a:rPr lang="en-US" dirty="0" smtClean="0"/>
               <a:t>Fourth level</a:t>
             </a:r>
           </a:p>
           <a:p>
             <a:pPr lvl="4"/>
             <a:r>
-              <a:rPr lang="en-US" dirty="0"/>
+              <a:rPr lang="en-US" dirty="0" smtClean="0"/>
               <a:t>Fifth level</a:t>
             </a:r>
+            <a:endParaRPr lang="en-US" dirty="0"/>
           </a:p>
         </p:txBody>
       </p:sp>
@@ -2808,7 +2687,7 @@
           <a:p>
             <a:pPr lvl="0"/>
             <a:r>
-              <a:rPr lang="en-US"/>
+              <a:rPr lang="en-US" smtClean="0"/>
               <a:t>Click to edit Master text styles</a:t>
             </a:r>
           </a:p>
@@ -2864,35 +2743,35 @@
           <a:p>
             <a:pPr lvl="0"/>
             <a:r>
-              <a:rPr lang="en-US"/>
+              <a:rPr lang="en-US" smtClean="0"/>
               <a:t>Click to edit Master text styles</a:t>
             </a:r>
           </a:p>
           <a:p>
             <a:pPr lvl="1"/>
             <a:r>
-              <a:rPr lang="en-US"/>
+              <a:rPr lang="en-US" smtClean="0"/>
               <a:t>Second level</a:t>
             </a:r>
           </a:p>
           <a:p>
             <a:pPr lvl="2"/>
             <a:r>
-              <a:rPr lang="en-US"/>
+              <a:rPr lang="en-US" smtClean="0"/>
               <a:t>Third level</a:t>
             </a:r>
           </a:p>
           <a:p>
             <a:pPr lvl="3"/>
             <a:r>
-              <a:rPr lang="en-US"/>
+              <a:rPr lang="en-US" smtClean="0"/>
               <a:t>Fourth level</a:t>
             </a:r>
           </a:p>
           <a:p>
             <a:pPr lvl="4"/>
             <a:r>
-              <a:rPr lang="en-US"/>
+              <a:rPr lang="en-US" smtClean="0"/>
               <a:t>Fifth level</a:t>
             </a:r>
             <a:endParaRPr lang="en-US" dirty="0"/>
@@ -2916,7 +2795,7 @@
           <a:p>
             <a:fld id="{D2F0BDA9-4B2A-4B69-B792-48A6E158EF46}" type="datetime1">
               <a:rPr lang="en-US" smtClean="0"/>
-              <a:t>9/16/2019</a:t>
+              <a:t>10/8/2019</a:t>
             </a:fld>
             <a:endParaRPr lang="en-US" dirty="0"/>
           </a:p>
@@ -2938,7 +2817,7 @@
           <a:lstStyle/>
           <a:p>
             <a:r>
-              <a:rPr lang="en-US"/>
+              <a:rPr lang="en-US" smtClean="0"/>
               <a:t>CONFIDENTIAL</a:t>
             </a:r>
             <a:endParaRPr lang="en-US" dirty="0"/>
@@ -3062,9 +2941,10 @@
           <a:lstStyle/>
           <a:p>
             <a:r>
-              <a:rPr lang="en-US" dirty="0"/>
+              <a:rPr lang="en-US" dirty="0" smtClean="0"/>
               <a:t>Click to edit Master title style</a:t>
             </a:r>
+            <a:endParaRPr lang="en-US" dirty="0"/>
           </a:p>
         </p:txBody>
       </p:sp>
@@ -3085,7 +2965,7 @@
           <a:p>
             <a:fld id="{F5DF8610-B29B-499E-B896-998D9DC07809}" type="datetime1">
               <a:rPr lang="en-US" smtClean="0"/>
-              <a:t>9/16/2019</a:t>
+              <a:t>10/8/2019</a:t>
             </a:fld>
             <a:endParaRPr lang="en-US" dirty="0"/>
           </a:p>
@@ -3107,7 +2987,7 @@
           <a:lstStyle/>
           <a:p>
             <a:r>
-              <a:rPr lang="en-US"/>
+              <a:rPr lang="en-US" smtClean="0"/>
               <a:t>CONFIDENTIAL</a:t>
             </a:r>
             <a:endParaRPr lang="en-US" dirty="0"/>
@@ -3197,7 +3077,7 @@
           <a:p>
             <a:fld id="{65CF989D-98AB-423E-BA3D-14D3F14128CF}" type="datetime1">
               <a:rPr lang="en-US" smtClean="0"/>
-              <a:t>9/16/2019</a:t>
+              <a:t>10/8/2019</a:t>
             </a:fld>
             <a:endParaRPr lang="en-US" dirty="0"/>
           </a:p>
@@ -3219,7 +3099,7 @@
           <a:lstStyle/>
           <a:p>
             <a:r>
-              <a:rPr lang="en-US"/>
+              <a:rPr lang="en-US" smtClean="0"/>
               <a:t>CONFIDENTIAL</a:t>
             </a:r>
             <a:endParaRPr lang="en-US" dirty="0"/>
@@ -3319,9 +3199,10 @@
           </a:lstStyle>
           <a:p>
             <a:r>
-              <a:rPr lang="en-US" dirty="0"/>
+              <a:rPr lang="en-US" dirty="0" smtClean="0"/>
               <a:t>Click to edit Master title style</a:t>
             </a:r>
+            <a:endParaRPr lang="en-US" dirty="0"/>
           </a:p>
         </p:txBody>
       </p:sp>
@@ -3375,37 +3256,38 @@
           <a:p>
             <a:pPr lvl="0"/>
             <a:r>
-              <a:rPr lang="en-US" dirty="0"/>
+              <a:rPr lang="en-US" dirty="0" smtClean="0"/>
               <a:t>Click to edit Master text styles</a:t>
             </a:r>
           </a:p>
           <a:p>
             <a:pPr lvl="1"/>
             <a:r>
-              <a:rPr lang="en-US" dirty="0"/>
+              <a:rPr lang="en-US" dirty="0" smtClean="0"/>
               <a:t>Second level</a:t>
             </a:r>
           </a:p>
           <a:p>
             <a:pPr lvl="2"/>
             <a:r>
-              <a:rPr lang="en-US" dirty="0"/>
+              <a:rPr lang="en-US" dirty="0" smtClean="0"/>
               <a:t>Third level</a:t>
             </a:r>
           </a:p>
           <a:p>
             <a:pPr lvl="3"/>
             <a:r>
-              <a:rPr lang="en-US" dirty="0"/>
+              <a:rPr lang="en-US" dirty="0" smtClean="0"/>
               <a:t>Fourth level</a:t>
             </a:r>
           </a:p>
           <a:p>
             <a:pPr lvl="4"/>
             <a:r>
-              <a:rPr lang="en-US" dirty="0"/>
+              <a:rPr lang="en-US" dirty="0" smtClean="0"/>
               <a:t>Fifth level</a:t>
             </a:r>
+            <a:endParaRPr lang="en-US" dirty="0"/>
           </a:p>
         </p:txBody>
       </p:sp>
@@ -3468,7 +3350,7 @@
           <a:p>
             <a:pPr lvl="0"/>
             <a:r>
-              <a:rPr lang="en-US" dirty="0"/>
+              <a:rPr lang="en-US" dirty="0" smtClean="0"/>
               <a:t>Click to edit Master text styles</a:t>
             </a:r>
           </a:p>
@@ -3491,7 +3373,7 @@
           <a:p>
             <a:fld id="{1C2629B7-8D85-4787-BEA0-E25870DD0AFD}" type="datetime1">
               <a:rPr lang="en-US" smtClean="0"/>
-              <a:t>9/16/2019</a:t>
+              <a:t>10/8/2019</a:t>
             </a:fld>
             <a:endParaRPr lang="en-US" dirty="0"/>
           </a:p>
@@ -3513,7 +3395,7 @@
           <a:lstStyle/>
           <a:p>
             <a:r>
-              <a:rPr lang="en-US"/>
+              <a:rPr lang="en-US" smtClean="0"/>
               <a:t>CONFIDENTIAL</a:t>
             </a:r>
             <a:endParaRPr lang="en-US" dirty="0"/>
@@ -3648,9 +3530,10 @@
           </a:lstStyle>
           <a:p>
             <a:r>
-              <a:rPr lang="en-US" dirty="0"/>
+              <a:rPr lang="en-US" dirty="0" smtClean="0"/>
               <a:t>Click to edit Master title style</a:t>
             </a:r>
+            <a:endParaRPr lang="en-US" dirty="0"/>
           </a:p>
         </p:txBody>
       </p:sp>
@@ -3728,9 +3611,10 @@
           </a:lstStyle>
           <a:p>
             <a:r>
-              <a:rPr lang="en-US" dirty="0"/>
+              <a:rPr lang="en-US" dirty="0" smtClean="0"/>
               <a:t>Click icon to add picture</a:t>
             </a:r>
+            <a:endParaRPr lang="en-US" dirty="0"/>
           </a:p>
         </p:txBody>
       </p:sp>
@@ -3793,7 +3677,7 @@
           <a:p>
             <a:pPr lvl="0"/>
             <a:r>
-              <a:rPr lang="en-US" dirty="0"/>
+              <a:rPr lang="en-US" dirty="0" smtClean="0"/>
               <a:t>Click to edit Master text styles</a:t>
             </a:r>
           </a:p>
@@ -3816,7 +3700,7 @@
           <a:p>
             <a:fld id="{AFE87022-F486-462E-8E48-DA6E8853E584}" type="datetime1">
               <a:rPr lang="en-US" smtClean="0"/>
-              <a:t>9/16/2019</a:t>
+              <a:t>10/8/2019</a:t>
             </a:fld>
             <a:endParaRPr lang="en-US" dirty="0"/>
           </a:p>
@@ -3838,7 +3722,7 @@
           <a:lstStyle/>
           <a:p>
             <a:r>
-              <a:rPr lang="en-US"/>
+              <a:rPr lang="en-US" smtClean="0"/>
               <a:t>CONFIDENTIAL</a:t>
             </a:r>
             <a:endParaRPr lang="en-US" dirty="0"/>
@@ -3988,9 +3872,10 @@
           <a:lstStyle/>
           <a:p>
             <a:r>
-              <a:rPr lang="en-US" dirty="0"/>
+              <a:rPr lang="en-US" dirty="0" smtClean="0"/>
               <a:t>Click to edit Master title style</a:t>
             </a:r>
+            <a:endParaRPr lang="en-US" dirty="0"/>
           </a:p>
         </p:txBody>
       </p:sp>
@@ -4021,37 +3906,38 @@
           <a:p>
             <a:pPr lvl="0"/>
             <a:r>
-              <a:rPr lang="en-US" dirty="0"/>
+              <a:rPr lang="en-US" dirty="0" smtClean="0"/>
               <a:t>Click to edit Master text styles</a:t>
             </a:r>
           </a:p>
           <a:p>
             <a:pPr lvl="1"/>
             <a:r>
-              <a:rPr lang="en-US" dirty="0"/>
+              <a:rPr lang="en-US" dirty="0" smtClean="0"/>
               <a:t>Second level</a:t>
             </a:r>
           </a:p>
           <a:p>
             <a:pPr lvl="2"/>
             <a:r>
-              <a:rPr lang="en-US" dirty="0"/>
+              <a:rPr lang="en-US" dirty="0" smtClean="0"/>
               <a:t>Third level</a:t>
             </a:r>
           </a:p>
           <a:p>
             <a:pPr lvl="3"/>
             <a:r>
-              <a:rPr lang="en-US" dirty="0"/>
+              <a:rPr lang="en-US" dirty="0" smtClean="0"/>
               <a:t>Fourth level</a:t>
             </a:r>
           </a:p>
           <a:p>
             <a:pPr lvl="4"/>
             <a:r>
-              <a:rPr lang="en-US" dirty="0"/>
+              <a:rPr lang="en-US" dirty="0" smtClean="0"/>
               <a:t>Fifth level</a:t>
             </a:r>
+            <a:endParaRPr lang="en-US" dirty="0"/>
           </a:p>
         </p:txBody>
       </p:sp>
@@ -4134,7 +4020,7 @@
           <a:p>
             <a:fld id="{F006798D-0BD4-4B1F-A7CA-751DBBC2A0FD}" type="datetime1">
               <a:rPr lang="en-US" smtClean="0"/>
-              <a:t>9/16/2019</a:t>
+              <a:t>10/8/2019</a:t>
             </a:fld>
             <a:endParaRPr lang="en-US" dirty="0"/>
           </a:p>
@@ -4172,7 +4058,7 @@
           </a:lstStyle>
           <a:p>
             <a:r>
-              <a:rPr lang="en-US"/>
+              <a:rPr lang="en-US" smtClean="0"/>
               <a:t>CONFIDENTIAL</a:t>
             </a:r>
             <a:endParaRPr lang="en-US" dirty="0"/>
@@ -4576,7 +4462,7 @@
           <a:p>
             <a:pPr algn="ctr"/>
             <a:r>
-              <a:rPr lang="en-US" sz="2400" b="1" dirty="0">
+              <a:rPr lang="en-US" sz="2400" b="1" dirty="0" smtClean="0">
                 <a:latin typeface="+mn-lt"/>
               </a:rPr>
               <a:t>Overview of Registration Process</a:t>
@@ -5142,13 +5028,32 @@
                 </a:solidFill>
                 <a:cs typeface="Arial" panose="020B0604020202020204" pitchFamily="34" charset="0"/>
               </a:rPr>
-              <a:t>Step 2</a:t>
-            </a:r>
+              <a:t>Step </a:t>
+            </a:r>
+            <a:r>
+              <a:rPr lang="en-US" sz="2400" b="1" u="sng" dirty="0" smtClean="0">
+                <a:solidFill>
+                  <a:schemeClr val="accent3">
+                    <a:lumMod val="75000"/>
+                  </a:schemeClr>
+                </a:solidFill>
+                <a:cs typeface="Arial" panose="020B0604020202020204" pitchFamily="34" charset="0"/>
+              </a:rPr>
+              <a:t>2</a:t>
+            </a:r>
+            <a:endParaRPr lang="en-US" sz="2400" b="1" u="sng" dirty="0">
+              <a:solidFill>
+                <a:schemeClr val="accent3">
+                  <a:lumMod val="75000"/>
+                </a:schemeClr>
+              </a:solidFill>
+              <a:cs typeface="Arial" panose="020B0604020202020204" pitchFamily="34" charset="0"/>
+            </a:endParaRPr>
           </a:p>
           <a:p>
             <a:pPr algn="ctr"/>
             <a:r>
-              <a:rPr lang="en-US" sz="2400" b="1" dirty="0">
+              <a:rPr lang="en-US" sz="2400" b="1" dirty="0" smtClean="0">
                 <a:solidFill>
                   <a:schemeClr val="tx1"/>
                 </a:solidFill>
@@ -5156,6 +5061,12 @@
               </a:rPr>
               <a:t>Registrar Processes </a:t>
             </a:r>
+            <a:endParaRPr lang="en-US" sz="2400" b="1" dirty="0">
+              <a:solidFill>
+                <a:schemeClr val="tx1"/>
+              </a:solidFill>
+              <a:cs typeface="Arial" panose="020B0604020202020204" pitchFamily="34" charset="0"/>
+            </a:endParaRPr>
           </a:p>
           <a:p>
             <a:pPr algn="ctr"/>
@@ -5285,19 +5196,10 @@
                 </a:solidFill>
                 <a:cs typeface="Arial" panose="020B0604020202020204" pitchFamily="34" charset="0"/>
               </a:rPr>
-              <a:t>in-principle </a:t>
-            </a:r>
-            <a:r>
-              <a:rPr lang="en-US" b="1">
-                <a:solidFill>
-                  <a:schemeClr val="tx1"/>
-                </a:solidFill>
-                <a:cs typeface="Arial" panose="020B0604020202020204" pitchFamily="34" charset="0"/>
-              </a:rPr>
-              <a:t>approval </a:t>
-            </a:r>
-            <a:r>
-              <a:rPr lang="en-US">
+              <a:t>in-principle approval </a:t>
+            </a:r>
+            <a:r>
+              <a:rPr lang="en-US" dirty="0" smtClean="0">
                 <a:solidFill>
                   <a:schemeClr val="tx1"/>
                 </a:solidFill>
@@ -5306,31 +5208,31 @@
               <a:t>around </a:t>
             </a:r>
             <a:r>
-              <a:rPr lang="en-GB" b="1" u="sng">
+              <a:rPr lang="en-US" b="1" u="sng" dirty="0">
                 <a:solidFill>
                   <a:schemeClr val="tx1"/>
                 </a:solidFill>
                 <a:cs typeface="Arial" panose="020B0604020202020204" pitchFamily="34" charset="0"/>
               </a:rPr>
-              <a:t>4 to 6</a:t>
-            </a:r>
-            <a:r>
-              <a:rPr lang="en-US" b="1" u="sng">
+              <a:t>4</a:t>
+            </a:r>
+            <a:r>
+              <a:rPr lang="en-US" b="1" u="sng" dirty="0" smtClean="0">
                 <a:solidFill>
                   <a:schemeClr val="tx1"/>
                 </a:solidFill>
                 <a:cs typeface="Arial" panose="020B0604020202020204" pitchFamily="34" charset="0"/>
               </a:rPr>
-              <a:t> </a:t>
-            </a:r>
-            <a:r>
-              <a:rPr lang="en-US" b="1" u="sng" dirty="0">
+              <a:t> weeks</a:t>
+            </a:r>
+            <a:r>
+              <a:rPr lang="en-US" dirty="0" smtClean="0">
                 <a:solidFill>
                   <a:schemeClr val="tx1"/>
                 </a:solidFill>
                 <a:cs typeface="Arial" panose="020B0604020202020204" pitchFamily="34" charset="0"/>
               </a:rPr>
-              <a:t>weeks</a:t>
+              <a:t> after </a:t>
             </a:r>
             <a:r>
               <a:rPr lang="en-US" dirty="0">
@@ -5339,7 +5241,7 @@
                 </a:solidFill>
                 <a:cs typeface="Arial" panose="020B0604020202020204" pitchFamily="34" charset="0"/>
               </a:rPr>
-              <a:t> after receiving your application.</a:t>
+              <a:t>receiving your application.</a:t>
             </a:r>
           </a:p>
           <a:p>
@@ -5406,13 +5308,32 @@
                 </a:solidFill>
                 <a:cs typeface="Arial" panose="020B0604020202020204" pitchFamily="34" charset="0"/>
               </a:rPr>
-              <a:t>Step 3</a:t>
-            </a:r>
+              <a:t>Step </a:t>
+            </a:r>
+            <a:r>
+              <a:rPr lang="en-US" sz="2400" b="1" u="sng" dirty="0" smtClean="0">
+                <a:solidFill>
+                  <a:schemeClr val="accent3">
+                    <a:lumMod val="75000"/>
+                  </a:schemeClr>
+                </a:solidFill>
+                <a:cs typeface="Arial" panose="020B0604020202020204" pitchFamily="34" charset="0"/>
+              </a:rPr>
+              <a:t>3</a:t>
+            </a:r>
+            <a:endParaRPr lang="en-US" sz="2400" b="1" u="sng" dirty="0">
+              <a:solidFill>
+                <a:schemeClr val="accent3">
+                  <a:lumMod val="75000"/>
+                </a:schemeClr>
+              </a:solidFill>
+              <a:cs typeface="Arial" panose="020B0604020202020204" pitchFamily="34" charset="0"/>
+            </a:endParaRPr>
           </a:p>
           <a:p>
             <a:pPr algn="ctr"/>
             <a:r>
-              <a:rPr lang="en-US" sz="2400" b="1" dirty="0">
+              <a:rPr lang="en-US" sz="2400" b="1" dirty="0" smtClean="0">
                 <a:solidFill>
                   <a:schemeClr val="tx1"/>
                 </a:solidFill>
@@ -5420,6 +5341,12 @@
               </a:rPr>
               <a:t>Pay Registration Fee</a:t>
             </a:r>
+            <a:endParaRPr lang="en-US" sz="2400" b="1" dirty="0">
+              <a:solidFill>
+                <a:schemeClr val="tx1"/>
+              </a:solidFill>
+              <a:cs typeface="Arial" panose="020B0604020202020204" pitchFamily="34" charset="0"/>
+            </a:endParaRPr>
           </a:p>
         </p:txBody>
       </p:sp>
@@ -5561,16 +5488,25 @@
               <a:t>within </a:t>
             </a:r>
             <a:r>
-              <a:rPr lang="en-US" b="1" u="sng" dirty="0">
+              <a:rPr lang="en-US" b="1" u="sng" smtClean="0">
                 <a:solidFill>
                   <a:schemeClr val="tx1"/>
                 </a:solidFill>
                 <a:cs typeface="Arial" panose="020B0604020202020204" pitchFamily="34" charset="0"/>
               </a:rPr>
-              <a:t>21 days</a:t>
-            </a:r>
-            <a:r>
-              <a:rPr lang="en-US" b="1" dirty="0">
+              <a:t>30 </a:t>
+            </a:r>
+            <a:r>
+              <a:rPr lang="en-US" b="1" u="sng" smtClean="0">
+                <a:solidFill>
+                  <a:schemeClr val="tx1"/>
+                </a:solidFill>
+                <a:cs typeface="Arial" panose="020B0604020202020204" pitchFamily="34" charset="0"/>
+              </a:rPr>
+              <a:t>days</a:t>
+            </a:r>
+            <a:r>
+              <a:rPr lang="en-US" b="1" smtClean="0">
                 <a:solidFill>
                   <a:schemeClr val="tx1"/>
                 </a:solidFill>
@@ -5652,13 +5588,32 @@
                 </a:solidFill>
                 <a:cs typeface="Arial" panose="020B0604020202020204" pitchFamily="34" charset="0"/>
               </a:rPr>
-              <a:t>Step 4</a:t>
-            </a:r>
+              <a:t>Step </a:t>
+            </a:r>
+            <a:r>
+              <a:rPr lang="en-US" sz="2400" b="1" u="sng" dirty="0" smtClean="0">
+                <a:solidFill>
+                  <a:schemeClr val="accent3">
+                    <a:lumMod val="75000"/>
+                  </a:schemeClr>
+                </a:solidFill>
+                <a:cs typeface="Arial" panose="020B0604020202020204" pitchFamily="34" charset="0"/>
+              </a:rPr>
+              <a:t>4</a:t>
+            </a:r>
+            <a:endParaRPr lang="en-US" sz="2400" b="1" u="sng" dirty="0">
+              <a:solidFill>
+                <a:schemeClr val="accent3">
+                  <a:lumMod val="75000"/>
+                </a:schemeClr>
+              </a:solidFill>
+              <a:cs typeface="Arial" panose="020B0604020202020204" pitchFamily="34" charset="0"/>
+            </a:endParaRPr>
           </a:p>
           <a:p>
             <a:pPr algn="ctr"/>
             <a:r>
-              <a:rPr lang="en-US" sz="2400" b="1" dirty="0">
+              <a:rPr lang="en-US" sz="2400" b="1" dirty="0" smtClean="0">
                 <a:solidFill>
                   <a:schemeClr val="tx1"/>
                 </a:solidFill>
@@ -5666,6 +5621,12 @@
               </a:rPr>
               <a:t>Registrar Issues Your Certificate</a:t>
             </a:r>
+            <a:endParaRPr lang="en-US" sz="2400" b="1" dirty="0">
+              <a:solidFill>
+                <a:schemeClr val="tx1"/>
+              </a:solidFill>
+              <a:cs typeface="Arial" panose="020B0604020202020204" pitchFamily="34" charset="0"/>
+            </a:endParaRPr>
           </a:p>
         </p:txBody>
       </p:sp>
@@ -5713,22 +5674,49 @@
           <a:lstStyle/>
           <a:p>
             <a:r>
-              <a:rPr lang="en-US" dirty="0">
+              <a:rPr lang="en-US" dirty="0" smtClean="0">
                 <a:solidFill>
                   <a:schemeClr val="tx1"/>
                 </a:solidFill>
                 <a:cs typeface="Arial" panose="020B0604020202020204" pitchFamily="34" charset="0"/>
               </a:rPr>
-              <a:t>After the Registrar receives your payment of the registration fees, the Registrar will send you an approval email notification with the</a:t>
-            </a:r>
-            <a:r>
-              <a:rPr lang="en-US" b="1" dirty="0">
+              <a:t>After the </a:t>
+            </a:r>
+            <a:r>
+              <a:rPr lang="en-US" dirty="0">
                 <a:solidFill>
                   <a:schemeClr val="tx1"/>
                 </a:solidFill>
                 <a:cs typeface="Arial" panose="020B0604020202020204" pitchFamily="34" charset="0"/>
               </a:rPr>
-              <a:t> Certificate of Registration.</a:t>
+              <a:t>Registrar receives your payment of the registration fees, the Registrar will </a:t>
+            </a:r>
+            <a:r>
+              <a:rPr lang="en-US" dirty="0" smtClean="0">
+                <a:solidFill>
+                  <a:schemeClr val="tx1"/>
+                </a:solidFill>
+                <a:cs typeface="Arial" panose="020B0604020202020204" pitchFamily="34" charset="0"/>
+              </a:rPr>
+              <a:t>send you an approval email notification with the</a:t>
+            </a:r>
+            <a:r>
+              <a:rPr lang="en-US" b="1" dirty="0" smtClean="0">
+                <a:solidFill>
+                  <a:schemeClr val="tx1"/>
+                </a:solidFill>
+                <a:cs typeface="Arial" panose="020B0604020202020204" pitchFamily="34" charset="0"/>
+              </a:rPr>
+              <a:t> </a:t>
+            </a:r>
+            <a:r>
+              <a:rPr lang="en-US" b="1" dirty="0">
+                <a:solidFill>
+                  <a:schemeClr val="tx1"/>
+                </a:solidFill>
+                <a:cs typeface="Arial" panose="020B0604020202020204" pitchFamily="34" charset="0"/>
+              </a:rPr>
+              <a:t>Certificate of Registration.</a:t>
             </a:r>
             <a:endParaRPr lang="en-US" dirty="0">
               <a:solidFill>
@@ -7178,6 +7166,15 @@
 </file>
 
 <file path=customXml/item1.xml><?xml version="1.0" encoding="utf-8"?>
+<?mso-contentType ?>
+<FormTemplates xmlns="http://schemas.microsoft.com/sharepoint/v3/contenttype/forms">
+  <Display>DocumentLibraryForm</Display>
+  <Edit>DocumentLibraryForm</Edit>
+  <New>DocumentLibraryForm</New>
+</FormTemplates>
+</file>
+
+<file path=customXml/item2.xml><?xml version="1.0" encoding="utf-8"?>
 <p:properties xmlns:p="http://schemas.microsoft.com/office/2006/metadata/properties" xmlns:xsi="http://www.w3.org/2001/XMLSchema-instance" xmlns:pc="http://schemas.microsoft.com/office/infopath/2007/PartnerControls">
   <documentManagement>
     <MinlawDescription xmlns="a85b171a-1052-409b-8da0-7018bcbcf029" xsi:nil="true"/>
@@ -7190,7 +7187,12 @@
 </p:properties>
 </file>
 
-<file path=customXml/item2.xml><?xml version="1.0" encoding="utf-8"?>
+<file path=customXml/item3.xml><?xml version="1.0" encoding="utf-8"?>
+<?mso-contentType ?>
+<SharedContentType xmlns="Microsoft.SharePoint.Taxonomy.ContentTypeSync" SourceId="8102fb6d-ee62-459b-bf66-4cc38a152917" ContentTypeId="0x010100ED95446D556EF74A943384CE557254A9" PreviousValue="false"/>
+</file>
+
+<file path=customXml/item4.xml><?xml version="1.0" encoding="utf-8"?>
 <ct:contentTypeSchema xmlns:ct="http://schemas.microsoft.com/office/2006/metadata/contentType" xmlns:ma="http://schemas.microsoft.com/office/2006/metadata/properties/metaAttributes" ct:_="" ma:_="" ma:contentTypeName="MinLaw Document" ma:contentTypeID="0x010100ED95446D556EF74A943384CE557254A900BBA171D2A1CB9E4987BC34BA344F002C" ma:contentTypeVersion="3" ma:contentTypeDescription="Create a new document." ma:contentTypeScope="" ma:versionID="a4e29336844b7e997b80ac5d4c52e4a4">
   <xsd:schema xmlns:xsd="http://www.w3.org/2001/XMLSchema" xmlns:xs="http://www.w3.org/2001/XMLSchema" xmlns:p="http://schemas.microsoft.com/office/2006/metadata/properties" xmlns:ns1="http://schemas.microsoft.com/sharepoint/v3" xmlns:ns2="a85b171a-1052-409b-8da0-7018bcbcf029" targetNamespace="http://schemas.microsoft.com/office/2006/metadata/properties" ma:root="true" ma:fieldsID="c42aad7470ad929989d0b5f94ef14958" ns1:_="" ns2:_="">
     <xsd:import namespace="http://schemas.microsoft.com/sharepoint/v3"/>
@@ -7361,45 +7363,54 @@
 </ct:contentTypeSchema>
 </file>
 
-<file path=customXml/item3.xml><?xml version="1.0" encoding="utf-8"?>
-<?mso-contentType ?>
-<FormTemplates xmlns="http://schemas.microsoft.com/sharepoint/v3/contenttype/forms">
-  <Display>DocumentLibraryForm</Display>
-  <Edit>DocumentLibraryForm</Edit>
-  <New>DocumentLibraryForm</New>
-</FormTemplates>
+<file path=customXml/itemProps1.xml><?xml version="1.0" encoding="utf-8"?>
+<ds:datastoreItem xmlns:ds="http://schemas.openxmlformats.org/officeDocument/2006/customXml" ds:itemID="{D570AFCB-B48F-4371-9522-33FB6A99D095}">
+  <ds:schemaRefs>
+    <ds:schemaRef ds:uri="http://schemas.microsoft.com/sharepoint/v3/contenttype/forms"/>
+  </ds:schemaRefs>
+</ds:datastoreItem>
 </file>
 
-<file path=customXml/itemProps1.xml><?xml version="1.0" encoding="utf-8"?>
+<file path=customXml/itemProps2.xml><?xml version="1.0" encoding="utf-8"?>
 <ds:datastoreItem xmlns:ds="http://schemas.openxmlformats.org/officeDocument/2006/customXml" ds:itemID="{DCAED800-539C-4091-A589-CA529721EE5D}">
   <ds:schemaRefs>
+    <ds:schemaRef ds:uri="http://purl.org/dc/dcmitype/"/>
+    <ds:schemaRef ds:uri="http://schemas.microsoft.com/office/2006/documentManagement/types"/>
+    <ds:schemaRef ds:uri="http://www.w3.org/XML/1998/namespace"/>
+    <ds:schemaRef ds:uri="http://purl.org/dc/terms/"/>
+    <ds:schemaRef ds:uri="http://schemas.microsoft.com/office/infopath/2007/PartnerControls"/>
+    <ds:schemaRef ds:uri="http://schemas.openxmlformats.org/package/2006/metadata/core-properties"/>
     <ds:schemaRef ds:uri="http://schemas.microsoft.com/office/2006/metadata/properties"/>
-    <ds:schemaRef ds:uri="http://www.w3.org/2000/xmlns/"/>
     <ds:schemaRef ds:uri="a85b171a-1052-409b-8da0-7018bcbcf029"/>
-    <ds:schemaRef ds:uri="http://www.w3.org/2001/XMLSchema-instance"/>
-    <ds:schemaRef ds:uri="http://schemas.microsoft.com/office/infopath/2007/PartnerControls"/>
+    <ds:schemaRef ds:uri="http://purl.org/dc/elements/1.1/"/>
     <ds:schemaRef ds:uri="http://schemas.microsoft.com/sharepoint/v3"/>
   </ds:schemaRefs>
 </ds:datastoreItem>
 </file>
 
-<file path=customXml/itemProps2.xml><?xml version="1.0" encoding="utf-8"?>
+<file path=customXml/itemProps3.xml><?xml version="1.0" encoding="utf-8"?>
+<ds:datastoreItem xmlns:ds="http://schemas.openxmlformats.org/officeDocument/2006/customXml" ds:itemID="{468A845F-9C8B-492D-9FE5-D3B94F0A21C7}">
+  <ds:schemaRefs>
+    <ds:schemaRef ds:uri="Microsoft.SharePoint.Taxonomy.ContentTypeSync"/>
+  </ds:schemaRefs>
+</ds:datastoreItem>
+</file>
+
+<file path=customXml/itemProps4.xml><?xml version="1.0" encoding="utf-8"?>
 <ds:datastoreItem xmlns:ds="http://schemas.openxmlformats.org/officeDocument/2006/customXml" ds:itemID="{26B5DAD2-837C-49E3-A233-4754758BF3AC}">
   <ds:schemaRefs>
     <ds:schemaRef ds:uri="http://schemas.microsoft.com/office/2006/metadata/contentType"/>
     <ds:schemaRef ds:uri="http://schemas.microsoft.com/office/2006/metadata/properties/metaAttributes"/>
-    <ds:schemaRef ds:uri="http://www.w3.org/2000/xmlns/"/>
     <ds:schemaRef ds:uri="http://www.w3.org/2001/XMLSchema"/>
+    <ds:schemaRef ds:uri="http://schemas.microsoft.com/office/2006/metadata/properties"/>
     <ds:schemaRef ds:uri="http://schemas.microsoft.com/sharepoint/v3"/>
     <ds:schemaRef ds:uri="a85b171a-1052-409b-8da0-7018bcbcf029"/>
-  </ds:schemaRefs>
-</ds:datastoreItem>
-</file>
-
-<file path=customXml/itemProps3.xml><?xml version="1.0" encoding="utf-8"?>
-<ds:datastoreItem xmlns:ds="http://schemas.openxmlformats.org/officeDocument/2006/customXml" ds:itemID="{D570AFCB-B48F-4371-9522-33FB6A99D095}">
-  <ds:schemaRefs>
-    <ds:schemaRef ds:uri="http://schemas.microsoft.com/sharepoint/v3/contenttype/forms"/>
+    <ds:schemaRef ds:uri="http://schemas.microsoft.com/office/2006/documentManagement/types"/>
+    <ds:schemaRef ds:uri="http://schemas.microsoft.com/office/infopath/2007/PartnerControls"/>
+    <ds:schemaRef ds:uri="http://schemas.openxmlformats.org/package/2006/metadata/core-properties"/>
+    <ds:schemaRef ds:uri="http://purl.org/dc/elements/1.1/"/>
+    <ds:schemaRef ds:uri="http://purl.org/dc/terms/"/>
+    <ds:schemaRef ds:uri="http://schemas.microsoft.com/internal/obd"/>
   </ds:schemaRefs>
 </ds:datastoreItem>
 </file>